--- a/lectures/day1-intro.pptx
+++ b/lectures/day1-intro.pptx
@@ -210,7 +210,7 @@
           <a:p>
             <a:fld id="{973C8552-4635-E645-9B2C-86428A645CB1}" type="datetimeFigureOut">
               <a:rPr lang="en-US" smtClean="0"/>
-              <a:t>1/7/12</a:t>
+              <a:t>1/8/12</a:t>
             </a:fld>
             <a:endParaRPr lang="en-US"/>
           </a:p>
@@ -730,40 +730,55 @@
           <a:bodyPr/>
           <a:lstStyle/>
           <a:p>
-            <a:pPr marL="0" marR="0" indent="0" algn="l" defTabSz="457200" rtl="0" eaLnBrk="1" fontAlgn="auto" latinLnBrk="0" hangingPunct="1">
-              <a:lnSpc>
-                <a:spcPct val="100000"/>
-              </a:lnSpc>
-              <a:spcBef>
-                <a:spcPts val="0"/>
-              </a:spcBef>
-              <a:spcAft>
-                <a:spcPts val="0"/>
-              </a:spcAft>
-              <a:buClrTx/>
-              <a:buSzTx/>
-              <a:buFontTx/>
-              <a:buNone/>
-              <a:tabLst/>
-              <a:defRPr/>
-            </a:pPr>
+            <a:r>
+              <a:rPr lang="en-US" smtClean="0"/>
+              <a:t>http</a:t>
+            </a:r>
             <a:r>
               <a:rPr lang="en-US" dirty="0" smtClean="0"/>
-              <a:t>https://</a:t>
+              <a:t>://</a:t>
             </a:r>
             <a:r>
               <a:rPr lang="en-US" dirty="0" err="1" smtClean="0"/>
-              <a:t>en.wikipedia.org</a:t>
+              <a:t>i.cdn.turner.com</a:t>
             </a:r>
             <a:r>
               <a:rPr lang="en-US" dirty="0" smtClean="0"/>
-              <a:t>/wiki/</a:t>
+              <a:t>/</a:t>
             </a:r>
             <a:r>
               <a:rPr lang="en-US" dirty="0" err="1" smtClean="0"/>
-              <a:t>File:Ken_Lay.jpg</a:t>
-            </a:r>
-            <a:endParaRPr lang="en-US" dirty="0" smtClean="0"/>
+              <a:t>dr</a:t>
+            </a:r>
+            <a:r>
+              <a:rPr lang="en-US" dirty="0" smtClean="0"/>
+              <a:t>/</a:t>
+            </a:r>
+            <a:r>
+              <a:rPr lang="en-US" dirty="0" err="1" smtClean="0"/>
+              <a:t>teg</a:t>
+            </a:r>
+            <a:r>
+              <a:rPr lang="en-US" dirty="0" smtClean="0"/>
+              <a:t>/</a:t>
+            </a:r>
+            <a:r>
+              <a:rPr lang="en-US" dirty="0" err="1" smtClean="0"/>
+              <a:t>tsg</a:t>
+            </a:r>
+            <a:r>
+              <a:rPr lang="en-US" dirty="0" smtClean="0"/>
+              <a:t>/release/sites/default/files/</a:t>
+            </a:r>
+            <a:r>
+              <a:rPr lang="en-US" dirty="0" err="1" smtClean="0"/>
+              <a:t>imagecache</a:t>
+            </a:r>
+            <a:r>
+              <a:rPr lang="en-US" dirty="0" smtClean="0"/>
+              <a:t>/670xX/photos/kenlaymug1.jpg</a:t>
+            </a:r>
+            <a:endParaRPr lang="en-US" dirty="0"/>
           </a:p>
         </p:txBody>
       </p:sp>
@@ -984,7 +999,7 @@
           <a:p>
             <a:fld id="{D4FD3536-E56C-3B45-804E-B9437F4EFC43}" type="datetimeFigureOut">
               <a:rPr lang="en-US" smtClean="0"/>
-              <a:t>1/7/12</a:t>
+              <a:t>1/8/12</a:t>
             </a:fld>
             <a:endParaRPr lang="en-US"/>
           </a:p>
@@ -1154,7 +1169,7 @@
           <a:p>
             <a:fld id="{D4FD3536-E56C-3B45-804E-B9437F4EFC43}" type="datetimeFigureOut">
               <a:rPr lang="en-US" smtClean="0"/>
-              <a:t>1/7/12</a:t>
+              <a:t>1/8/12</a:t>
             </a:fld>
             <a:endParaRPr lang="en-US"/>
           </a:p>
@@ -1334,7 +1349,7 @@
           <a:p>
             <a:fld id="{D4FD3536-E56C-3B45-804E-B9437F4EFC43}" type="datetimeFigureOut">
               <a:rPr lang="en-US" smtClean="0"/>
-              <a:t>1/7/12</a:t>
+              <a:t>1/8/12</a:t>
             </a:fld>
             <a:endParaRPr lang="en-US"/>
           </a:p>
@@ -1504,7 +1519,7 @@
           <a:p>
             <a:fld id="{D4FD3536-E56C-3B45-804E-B9437F4EFC43}" type="datetimeFigureOut">
               <a:rPr lang="en-US" smtClean="0"/>
-              <a:t>1/7/12</a:t>
+              <a:t>1/8/12</a:t>
             </a:fld>
             <a:endParaRPr lang="en-US"/>
           </a:p>
@@ -1750,7 +1765,7 @@
           <a:p>
             <a:fld id="{D4FD3536-E56C-3B45-804E-B9437F4EFC43}" type="datetimeFigureOut">
               <a:rPr lang="en-US" smtClean="0"/>
-              <a:t>1/7/12</a:t>
+              <a:t>1/8/12</a:t>
             </a:fld>
             <a:endParaRPr lang="en-US"/>
           </a:p>
@@ -2038,7 +2053,7 @@
           <a:p>
             <a:fld id="{D4FD3536-E56C-3B45-804E-B9437F4EFC43}" type="datetimeFigureOut">
               <a:rPr lang="en-US" smtClean="0"/>
-              <a:t>1/7/12</a:t>
+              <a:t>1/8/12</a:t>
             </a:fld>
             <a:endParaRPr lang="en-US"/>
           </a:p>
@@ -2460,7 +2475,7 @@
           <a:p>
             <a:fld id="{D4FD3536-E56C-3B45-804E-B9437F4EFC43}" type="datetimeFigureOut">
               <a:rPr lang="en-US" smtClean="0"/>
-              <a:t>1/7/12</a:t>
+              <a:t>1/8/12</a:t>
             </a:fld>
             <a:endParaRPr lang="en-US"/>
           </a:p>
@@ -2578,7 +2593,7 @@
           <a:p>
             <a:fld id="{D4FD3536-E56C-3B45-804E-B9437F4EFC43}" type="datetimeFigureOut">
               <a:rPr lang="en-US" smtClean="0"/>
-              <a:t>1/7/12</a:t>
+              <a:t>1/8/12</a:t>
             </a:fld>
             <a:endParaRPr lang="en-US"/>
           </a:p>
@@ -2673,7 +2688,7 @@
           <a:p>
             <a:fld id="{D4FD3536-E56C-3B45-804E-B9437F4EFC43}" type="datetimeFigureOut">
               <a:rPr lang="en-US" smtClean="0"/>
-              <a:t>1/7/12</a:t>
+              <a:t>1/8/12</a:t>
             </a:fld>
             <a:endParaRPr lang="en-US"/>
           </a:p>
@@ -2950,7 +2965,7 @@
           <a:p>
             <a:fld id="{D4FD3536-E56C-3B45-804E-B9437F4EFC43}" type="datetimeFigureOut">
               <a:rPr lang="en-US" smtClean="0"/>
-              <a:t>1/7/12</a:t>
+              <a:t>1/8/12</a:t>
             </a:fld>
             <a:endParaRPr lang="en-US"/>
           </a:p>
@@ -3203,7 +3218,7 @@
           <a:p>
             <a:fld id="{D4FD3536-E56C-3B45-804E-B9437F4EFC43}" type="datetimeFigureOut">
               <a:rPr lang="en-US" smtClean="0"/>
-              <a:t>1/7/12</a:t>
+              <a:t>1/8/12</a:t>
             </a:fld>
             <a:endParaRPr lang="en-US"/>
           </a:p>
@@ -3416,7 +3431,7 @@
           <a:p>
             <a:fld id="{D4FD3536-E56C-3B45-804E-B9437F4EFC43}" type="datetimeFigureOut">
               <a:rPr lang="en-US" smtClean="0"/>
-              <a:t>1/7/12</a:t>
+              <a:t>1/8/12</a:t>
             </a:fld>
             <a:endParaRPr lang="en-US"/>
           </a:p>
@@ -4603,22 +4618,21 @@
       </p:sp>
       <p:pic>
         <p:nvPicPr>
-          <p:cNvPr id="4" name="Picture 3"/>
+          <p:cNvPr id="5" name="Picture 4"/>
           <p:cNvPicPr>
             <a:picLocks noChangeAspect="1"/>
           </p:cNvPicPr>
           <p:nvPr/>
         </p:nvPicPr>
-        <p:blipFill>
+        <p:blipFill rotWithShape="1">
           <a:blip r:embed="rId3"/>
-          <a:stretch>
-            <a:fillRect/>
-          </a:stretch>
+          <a:srcRect l="2066" t="3949" r="3076" b="4064"/>
+          <a:stretch/>
         </p:blipFill>
         <p:spPr>
           <a:xfrm>
-            <a:off x="2514600" y="1778000"/>
-            <a:ext cx="4114800" cy="5080000"/>
+            <a:off x="627108" y="1787510"/>
+            <a:ext cx="8011289" cy="4719652"/>
           </a:xfrm>
           <a:prstGeom prst="rect">
             <a:avLst/>

--- a/lectures/day1-intro.pptx
+++ b/lectures/day1-intro.pptx
@@ -5,7 +5,7 @@
     <p:sldMasterId id="2147483648" r:id="rId1"/>
   </p:sldMasterIdLst>
   <p:notesMasterIdLst>
-    <p:notesMasterId r:id="rId21"/>
+    <p:notesMasterId r:id="rId22"/>
   </p:notesMasterIdLst>
   <p:sldIdLst>
     <p:sldId id="256" r:id="rId2"/>
@@ -13,20 +13,21 @@
     <p:sldId id="259" r:id="rId4"/>
     <p:sldId id="260" r:id="rId5"/>
     <p:sldId id="261" r:id="rId6"/>
-    <p:sldId id="270" r:id="rId7"/>
-    <p:sldId id="271" r:id="rId8"/>
-    <p:sldId id="275" r:id="rId9"/>
-    <p:sldId id="273" r:id="rId10"/>
-    <p:sldId id="274" r:id="rId11"/>
-    <p:sldId id="272" r:id="rId12"/>
-    <p:sldId id="276" r:id="rId13"/>
-    <p:sldId id="277" r:id="rId14"/>
-    <p:sldId id="262" r:id="rId15"/>
-    <p:sldId id="263" r:id="rId16"/>
-    <p:sldId id="264" r:id="rId17"/>
-    <p:sldId id="265" r:id="rId18"/>
-    <p:sldId id="266" r:id="rId19"/>
-    <p:sldId id="267" r:id="rId20"/>
+    <p:sldId id="278" r:id="rId7"/>
+    <p:sldId id="270" r:id="rId8"/>
+    <p:sldId id="271" r:id="rId9"/>
+    <p:sldId id="275" r:id="rId10"/>
+    <p:sldId id="273" r:id="rId11"/>
+    <p:sldId id="274" r:id="rId12"/>
+    <p:sldId id="272" r:id="rId13"/>
+    <p:sldId id="276" r:id="rId14"/>
+    <p:sldId id="277" r:id="rId15"/>
+    <p:sldId id="262" r:id="rId16"/>
+    <p:sldId id="263" r:id="rId17"/>
+    <p:sldId id="264" r:id="rId18"/>
+    <p:sldId id="265" r:id="rId19"/>
+    <p:sldId id="266" r:id="rId20"/>
+    <p:sldId id="267" r:id="rId21"/>
   </p:sldIdLst>
   <p:sldSz cx="9144000" cy="6858000" type="screen4x3"/>
   <p:notesSz cx="6858000" cy="9144000"/>
@@ -571,7 +572,7 @@
           <a:p>
             <a:fld id="{4337C64D-08AD-5443-A64F-675CD4FBC947}" type="slidenum">
               <a:rPr lang="en-US" smtClean="0"/>
-              <a:t>6</a:t>
+              <a:t>7</a:t>
             </a:fld>
             <a:endParaRPr lang="en-US"/>
           </a:p>
@@ -667,7 +668,7 @@
           <a:p>
             <a:fld id="{4337C64D-08AD-5443-A64F-675CD4FBC947}" type="slidenum">
               <a:rPr lang="en-US" smtClean="0"/>
-              <a:t>7</a:t>
+              <a:t>8</a:t>
             </a:fld>
             <a:endParaRPr lang="en-US"/>
           </a:p>
@@ -731,12 +732,8 @@
           <a:lstStyle/>
           <a:p>
             <a:r>
-              <a:rPr lang="en-US" smtClean="0"/>
-              <a:t>http</a:t>
-            </a:r>
-            <a:r>
               <a:rPr lang="en-US" dirty="0" smtClean="0"/>
-              <a:t>://</a:t>
+              <a:t>http://</a:t>
             </a:r>
             <a:r>
               <a:rPr lang="en-US" dirty="0" err="1" smtClean="0"/>
@@ -799,7 +796,7 @@
           <a:p>
             <a:fld id="{4337C64D-08AD-5443-A64F-675CD4FBC947}" type="slidenum">
               <a:rPr lang="en-US" smtClean="0"/>
-              <a:t>17</a:t>
+              <a:t>18</a:t>
             </a:fld>
             <a:endParaRPr lang="en-US"/>
           </a:p>
@@ -3898,6 +3895,138 @@
       </p:grpSpPr>
       <p:pic>
         <p:nvPicPr>
+          <p:cNvPr id="6" name="Picture 5"/>
+          <p:cNvPicPr>
+            <a:picLocks noChangeAspect="1"/>
+          </p:cNvPicPr>
+          <p:nvPr/>
+        </p:nvPicPr>
+        <p:blipFill rotWithShape="1">
+          <a:blip r:embed="rId2"/>
+          <a:srcRect l="15177" t="30192" r="15060" b="23930"/>
+          <a:stretch/>
+        </p:blipFill>
+        <p:spPr>
+          <a:xfrm>
+            <a:off x="3493421" y="1671286"/>
+            <a:ext cx="2126346" cy="1398355"/>
+          </a:xfrm>
+          <a:prstGeom prst="rect">
+            <a:avLst/>
+          </a:prstGeom>
+        </p:spPr>
+      </p:pic>
+      <p:pic>
+        <p:nvPicPr>
+          <p:cNvPr id="7" name="Picture 6"/>
+          <p:cNvPicPr>
+            <a:picLocks noChangeAspect="1"/>
+          </p:cNvPicPr>
+          <p:nvPr/>
+        </p:nvPicPr>
+        <p:blipFill>
+          <a:blip r:embed="rId3"/>
+          <a:stretch>
+            <a:fillRect/>
+          </a:stretch>
+        </p:blipFill>
+        <p:spPr>
+          <a:xfrm>
+            <a:off x="3235794" y="419382"/>
+            <a:ext cx="2641600" cy="698500"/>
+          </a:xfrm>
+          <a:prstGeom prst="rect">
+            <a:avLst/>
+          </a:prstGeom>
+        </p:spPr>
+      </p:pic>
+      <p:pic>
+        <p:nvPicPr>
+          <p:cNvPr id="9" name="Picture 8"/>
+          <p:cNvPicPr>
+            <a:picLocks noChangeAspect="1"/>
+          </p:cNvPicPr>
+          <p:nvPr/>
+        </p:nvPicPr>
+        <p:blipFill>
+          <a:blip r:embed="rId4"/>
+          <a:stretch>
+            <a:fillRect/>
+          </a:stretch>
+        </p:blipFill>
+        <p:spPr>
+          <a:xfrm>
+            <a:off x="2320294" y="3623045"/>
+            <a:ext cx="4472600" cy="1177000"/>
+          </a:xfrm>
+          <a:prstGeom prst="rect">
+            <a:avLst/>
+          </a:prstGeom>
+        </p:spPr>
+      </p:pic>
+      <p:pic>
+        <p:nvPicPr>
+          <p:cNvPr id="11" name="Picture 10"/>
+          <p:cNvPicPr>
+            <a:picLocks noChangeAspect="1"/>
+          </p:cNvPicPr>
+          <p:nvPr/>
+        </p:nvPicPr>
+        <p:blipFill>
+          <a:blip r:embed="rId5"/>
+          <a:stretch>
+            <a:fillRect/>
+          </a:stretch>
+        </p:blipFill>
+        <p:spPr>
+          <a:xfrm>
+            <a:off x="2341700" y="5353450"/>
+            <a:ext cx="4429788" cy="1057109"/>
+          </a:xfrm>
+          <a:prstGeom prst="rect">
+            <a:avLst/>
+          </a:prstGeom>
+        </p:spPr>
+      </p:pic>
+    </p:spTree>
+    <p:extLst>
+      <p:ext uri="{BB962C8B-B14F-4D97-AF65-F5344CB8AC3E}">
+        <p14:creationId xmlns:p14="http://schemas.microsoft.com/office/powerpoint/2010/main" val="3594788266"/>
+      </p:ext>
+    </p:extLst>
+  </p:cSld>
+  <p:clrMapOvr>
+    <a:masterClrMapping/>
+  </p:clrMapOvr>
+  <p:timing>
+    <p:tnLst>
+      <p:par>
+        <p:cTn xmlns:p14="http://schemas.microsoft.com/office/powerpoint/2010/main" id="1" dur="indefinite" restart="never" nodeType="tmRoot"/>
+      </p:par>
+    </p:tnLst>
+  </p:timing>
+</p:sld>
+</file>
+
+<file path=ppt/slides/slide11.xml><?xml version="1.0" encoding="utf-8"?>
+<p:sld xmlns:a="http://schemas.openxmlformats.org/drawingml/2006/main" xmlns:r="http://schemas.openxmlformats.org/officeDocument/2006/relationships" xmlns:p="http://schemas.openxmlformats.org/presentationml/2006/main">
+  <p:cSld>
+    <p:spTree>
+      <p:nvGrpSpPr>
+        <p:cNvPr id="1" name=""/>
+        <p:cNvGrpSpPr/>
+        <p:nvPr/>
+      </p:nvGrpSpPr>
+      <p:grpSpPr>
+        <a:xfrm>
+          <a:off x="0" y="0"/>
+          <a:ext cx="0" cy="0"/>
+          <a:chOff x="0" y="0"/>
+          <a:chExt cx="0" cy="0"/>
+        </a:xfrm>
+      </p:grpSpPr>
+      <p:pic>
+        <p:nvPicPr>
           <p:cNvPr id="4" name="Picture 3"/>
           <p:cNvPicPr>
             <a:picLocks noChangeAspect="1"/>
@@ -3964,7 +4093,7 @@
 </p:sld>
 </file>
 
-<file path=ppt/slides/slide11.xml><?xml version="1.0" encoding="utf-8"?>
+<file path=ppt/slides/slide12.xml><?xml version="1.0" encoding="utf-8"?>
 <p:sld xmlns:a="http://schemas.openxmlformats.org/drawingml/2006/main" xmlns:r="http://schemas.openxmlformats.org/officeDocument/2006/relationships" xmlns:p="http://schemas.openxmlformats.org/presentationml/2006/main">
   <p:cSld>
     <p:spTree>
@@ -4169,7 +4298,7 @@
 </p:sld>
 </file>
 
-<file path=ppt/slides/slide12.xml><?xml version="1.0" encoding="utf-8"?>
+<file path=ppt/slides/slide13.xml><?xml version="1.0" encoding="utf-8"?>
 <p:sld xmlns:a="http://schemas.openxmlformats.org/drawingml/2006/main" xmlns:r="http://schemas.openxmlformats.org/officeDocument/2006/relationships" xmlns:p="http://schemas.openxmlformats.org/presentationml/2006/main">
   <p:cSld>
     <p:spTree>
@@ -4236,7 +4365,7 @@
 </p:sld>
 </file>
 
-<file path=ppt/slides/slide13.xml><?xml version="1.0" encoding="utf-8"?>
+<file path=ppt/slides/slide14.xml><?xml version="1.0" encoding="utf-8"?>
 <p:sld xmlns:a="http://schemas.openxmlformats.org/drawingml/2006/main" xmlns:r="http://schemas.openxmlformats.org/officeDocument/2006/relationships" xmlns:p="http://schemas.openxmlformats.org/presentationml/2006/main">
   <p:cSld>
     <p:spTree>
@@ -4325,7 +4454,7 @@
 </p:sld>
 </file>
 
-<file path=ppt/slides/slide14.xml><?xml version="1.0" encoding="utf-8"?>
+<file path=ppt/slides/slide15.xml><?xml version="1.0" encoding="utf-8"?>
 <p:sld xmlns:a="http://schemas.openxmlformats.org/drawingml/2006/main" xmlns:r="http://schemas.openxmlformats.org/officeDocument/2006/relationships" xmlns:p="http://schemas.openxmlformats.org/presentationml/2006/main">
   <p:cSld>
     <p:spTree>
@@ -4408,7 +4537,7 @@
 </p:sld>
 </file>
 
-<file path=ppt/slides/slide15.xml><?xml version="1.0" encoding="utf-8"?>
+<file path=ppt/slides/slide16.xml><?xml version="1.0" encoding="utf-8"?>
 <p:sld xmlns:a="http://schemas.openxmlformats.org/drawingml/2006/main" xmlns:r="http://schemas.openxmlformats.org/officeDocument/2006/relationships" xmlns:p="http://schemas.openxmlformats.org/presentationml/2006/main">
   <p:cSld>
     <p:spTree>
@@ -4491,7 +4620,7 @@
 </p:sld>
 </file>
 
-<file path=ppt/slides/slide16.xml><?xml version="1.0" encoding="utf-8"?>
+<file path=ppt/slides/slide17.xml><?xml version="1.0" encoding="utf-8"?>
 <p:sld xmlns:a="http://schemas.openxmlformats.org/drawingml/2006/main" xmlns:r="http://schemas.openxmlformats.org/officeDocument/2006/relationships" xmlns:p="http://schemas.openxmlformats.org/presentationml/2006/main">
   <p:cSld>
     <p:spTree>
@@ -4574,7 +4703,7 @@
 </p:sld>
 </file>
 
-<file path=ppt/slides/slide17.xml><?xml version="1.0" encoding="utf-8"?>
+<file path=ppt/slides/slide18.xml><?xml version="1.0" encoding="utf-8"?>
 <p:sld xmlns:a="http://schemas.openxmlformats.org/drawingml/2006/main" xmlns:r="http://schemas.openxmlformats.org/officeDocument/2006/relationships" xmlns:p="http://schemas.openxmlformats.org/presentationml/2006/main">
   <p:cSld>
     <p:spTree>
@@ -4659,7 +4788,7 @@
 </p:sld>
 </file>
 
-<file path=ppt/slides/slide18.xml><?xml version="1.0" encoding="utf-8"?>
+<file path=ppt/slides/slide19.xml><?xml version="1.0" encoding="utf-8"?>
 <p:sld xmlns:a="http://schemas.openxmlformats.org/drawingml/2006/main" xmlns:r="http://schemas.openxmlformats.org/officeDocument/2006/relationships" xmlns:p="http://schemas.openxmlformats.org/presentationml/2006/main">
   <p:cSld>
     <p:spTree>
@@ -4760,314 +4889,6 @@
 </p:sld>
 </file>
 
-<file path=ppt/slides/slide19.xml><?xml version="1.0" encoding="utf-8"?>
-<p:sld xmlns:a="http://schemas.openxmlformats.org/drawingml/2006/main" xmlns:r="http://schemas.openxmlformats.org/officeDocument/2006/relationships" xmlns:p="http://schemas.openxmlformats.org/presentationml/2006/main">
-  <p:cSld>
-    <p:spTree>
-      <p:nvGrpSpPr>
-        <p:cNvPr id="1" name=""/>
-        <p:cNvGrpSpPr/>
-        <p:nvPr/>
-      </p:nvGrpSpPr>
-      <p:grpSpPr>
-        <a:xfrm>
-          <a:off x="0" y="0"/>
-          <a:ext cx="0" cy="0"/>
-          <a:chOff x="0" y="0"/>
-          <a:chExt cx="0" cy="0"/>
-        </a:xfrm>
-      </p:grpSpPr>
-      <p:sp>
-        <p:nvSpPr>
-          <p:cNvPr id="2" name="Title 1"/>
-          <p:cNvSpPr>
-            <a:spLocks noGrp="1"/>
-          </p:cNvSpPr>
-          <p:nvPr>
-            <p:ph type="title"/>
-          </p:nvPr>
-        </p:nvSpPr>
-        <p:spPr/>
-        <p:txBody>
-          <a:bodyPr/>
-          <a:lstStyle/>
-          <a:p>
-            <a:r>
-              <a:rPr lang="en-US" dirty="0" smtClean="0"/>
-              <a:t>Day 6: Storytelling Madness!</a:t>
-            </a:r>
-            <a:endParaRPr lang="en-US" dirty="0"/>
-          </a:p>
-        </p:txBody>
-      </p:sp>
-      <p:sp>
-        <p:nvSpPr>
-          <p:cNvPr id="4" name="TextBox 3"/>
-          <p:cNvSpPr txBox="1"/>
-          <p:nvPr/>
-        </p:nvSpPr>
-        <p:spPr>
-          <a:xfrm>
-            <a:off x="2838403" y="2180087"/>
-            <a:ext cx="1552303" cy="646331"/>
-          </a:xfrm>
-          <a:prstGeom prst="rect">
-            <a:avLst/>
-          </a:prstGeom>
-          <a:noFill/>
-        </p:spPr>
-        <p:txBody>
-          <a:bodyPr wrap="none" rtlCol="0">
-            <a:spAutoFit/>
-          </a:bodyPr>
-          <a:lstStyle/>
-          <a:p>
-            <a:pPr algn="ctr"/>
-            <a:r>
-              <a:rPr lang="en-US" sz="3600" dirty="0" smtClean="0"/>
-              <a:t>biology</a:t>
-            </a:r>
-            <a:endParaRPr lang="en-US" sz="3600" dirty="0"/>
-          </a:p>
-        </p:txBody>
-      </p:sp>
-      <p:sp>
-        <p:nvSpPr>
-          <p:cNvPr id="5" name="TextBox 4"/>
-          <p:cNvSpPr txBox="1"/>
-          <p:nvPr/>
-        </p:nvSpPr>
-        <p:spPr>
-          <a:xfrm>
-            <a:off x="5903614" y="3149583"/>
-            <a:ext cx="2910923" cy="646331"/>
-          </a:xfrm>
-          <a:prstGeom prst="rect">
-            <a:avLst/>
-          </a:prstGeom>
-          <a:noFill/>
-        </p:spPr>
-        <p:txBody>
-          <a:bodyPr wrap="none" rtlCol="0">
-            <a:spAutoFit/>
-          </a:bodyPr>
-          <a:lstStyle/>
-          <a:p>
-            <a:pPr algn="ctr"/>
-            <a:r>
-              <a:rPr lang="en-US" sz="3600" dirty="0" err="1" smtClean="0"/>
-              <a:t>stackoverflow</a:t>
-            </a:r>
-            <a:endParaRPr lang="en-US" sz="3600" dirty="0"/>
-          </a:p>
-        </p:txBody>
-      </p:sp>
-      <p:sp>
-        <p:nvSpPr>
-          <p:cNvPr id="6" name="TextBox 5"/>
-          <p:cNvSpPr txBox="1"/>
-          <p:nvPr/>
-        </p:nvSpPr>
-        <p:spPr>
-          <a:xfrm>
-            <a:off x="675108" y="3963197"/>
-            <a:ext cx="2452414" cy="646331"/>
-          </a:xfrm>
-          <a:prstGeom prst="rect">
-            <a:avLst/>
-          </a:prstGeom>
-          <a:noFill/>
-        </p:spPr>
-        <p:txBody>
-          <a:bodyPr wrap="none" rtlCol="0">
-            <a:spAutoFit/>
-          </a:bodyPr>
-          <a:lstStyle/>
-          <a:p>
-            <a:pPr algn="ctr"/>
-            <a:r>
-              <a:rPr lang="en-US" sz="3600" dirty="0" smtClean="0"/>
-              <a:t>source code</a:t>
-            </a:r>
-            <a:endParaRPr lang="en-US" sz="3600" dirty="0"/>
-          </a:p>
-        </p:txBody>
-      </p:sp>
-      <p:sp>
-        <p:nvSpPr>
-          <p:cNvPr id="7" name="TextBox 6"/>
-          <p:cNvSpPr txBox="1"/>
-          <p:nvPr/>
-        </p:nvSpPr>
-        <p:spPr>
-          <a:xfrm>
-            <a:off x="5223562" y="4785069"/>
-            <a:ext cx="2188219" cy="646331"/>
-          </a:xfrm>
-          <a:prstGeom prst="rect">
-            <a:avLst/>
-          </a:prstGeom>
-          <a:noFill/>
-        </p:spPr>
-        <p:txBody>
-          <a:bodyPr wrap="none" rtlCol="0">
-            <a:spAutoFit/>
-          </a:bodyPr>
-          <a:lstStyle/>
-          <a:p>
-            <a:pPr algn="ctr"/>
-            <a:r>
-              <a:rPr lang="en-US" sz="3600" dirty="0" smtClean="0"/>
-              <a:t>healthcare</a:t>
-            </a:r>
-            <a:endParaRPr lang="en-US" sz="3600" dirty="0"/>
-          </a:p>
-        </p:txBody>
-      </p:sp>
-      <p:sp>
-        <p:nvSpPr>
-          <p:cNvPr id="8" name="TextBox 7"/>
-          <p:cNvSpPr txBox="1"/>
-          <p:nvPr/>
-        </p:nvSpPr>
-        <p:spPr>
-          <a:xfrm>
-            <a:off x="2097328" y="5108234"/>
-            <a:ext cx="1560193" cy="646331"/>
-          </a:xfrm>
-          <a:prstGeom prst="rect">
-            <a:avLst/>
-          </a:prstGeom>
-          <a:noFill/>
-        </p:spPr>
-        <p:txBody>
-          <a:bodyPr wrap="none" rtlCol="0">
-            <a:spAutoFit/>
-          </a:bodyPr>
-          <a:lstStyle/>
-          <a:p>
-            <a:pPr algn="ctr"/>
-            <a:r>
-              <a:rPr lang="en-US" sz="3600" dirty="0" smtClean="0"/>
-              <a:t>finance</a:t>
-            </a:r>
-            <a:endParaRPr lang="en-US" sz="3600" dirty="0"/>
-          </a:p>
-        </p:txBody>
-      </p:sp>
-      <p:sp>
-        <p:nvSpPr>
-          <p:cNvPr id="9" name="TextBox 8"/>
-          <p:cNvSpPr txBox="1"/>
-          <p:nvPr/>
-        </p:nvSpPr>
-        <p:spPr>
-          <a:xfrm>
-            <a:off x="3246066" y="3625149"/>
-            <a:ext cx="2657548" cy="646331"/>
-          </a:xfrm>
-          <a:prstGeom prst="rect">
-            <a:avLst/>
-          </a:prstGeom>
-          <a:noFill/>
-        </p:spPr>
-        <p:txBody>
-          <a:bodyPr wrap="none" rtlCol="0">
-            <a:spAutoFit/>
-          </a:bodyPr>
-          <a:lstStyle/>
-          <a:p>
-            <a:pPr algn="ctr"/>
-            <a:r>
-              <a:rPr lang="en-US" sz="3600" dirty="0" smtClean="0"/>
-              <a:t>web scraping</a:t>
-            </a:r>
-            <a:endParaRPr lang="en-US" sz="3600" dirty="0"/>
-          </a:p>
-        </p:txBody>
-      </p:sp>
-      <p:sp>
-        <p:nvSpPr>
-          <p:cNvPr id="10" name="TextBox 9"/>
-          <p:cNvSpPr txBox="1"/>
-          <p:nvPr/>
-        </p:nvSpPr>
-        <p:spPr>
-          <a:xfrm>
-            <a:off x="414844" y="2826418"/>
-            <a:ext cx="2189572" cy="646331"/>
-          </a:xfrm>
-          <a:prstGeom prst="rect">
-            <a:avLst/>
-          </a:prstGeom>
-          <a:noFill/>
-        </p:spPr>
-        <p:txBody>
-          <a:bodyPr wrap="none" rtlCol="0">
-            <a:spAutoFit/>
-          </a:bodyPr>
-          <a:lstStyle/>
-          <a:p>
-            <a:pPr algn="ctr"/>
-            <a:r>
-              <a:rPr lang="en-US" sz="3600" dirty="0" smtClean="0"/>
-              <a:t>economics</a:t>
-            </a:r>
-            <a:endParaRPr lang="en-US" sz="3600" dirty="0"/>
-          </a:p>
-        </p:txBody>
-      </p:sp>
-      <p:sp>
-        <p:nvSpPr>
-          <p:cNvPr id="11" name="TextBox 10"/>
-          <p:cNvSpPr txBox="1"/>
-          <p:nvPr/>
-        </p:nvSpPr>
-        <p:spPr>
-          <a:xfrm>
-            <a:off x="5484600" y="1975303"/>
-            <a:ext cx="1928984" cy="646331"/>
-          </a:xfrm>
-          <a:prstGeom prst="rect">
-            <a:avLst/>
-          </a:prstGeom>
-          <a:noFill/>
-        </p:spPr>
-        <p:txBody>
-          <a:bodyPr wrap="none" rtlCol="0">
-            <a:spAutoFit/>
-          </a:bodyPr>
-          <a:lstStyle/>
-          <a:p>
-            <a:pPr algn="ctr"/>
-            <a:r>
-              <a:rPr lang="en-US" sz="3600" dirty="0" smtClean="0"/>
-              <a:t>sociology</a:t>
-            </a:r>
-            <a:endParaRPr lang="en-US" sz="3600" dirty="0"/>
-          </a:p>
-        </p:txBody>
-      </p:sp>
-    </p:spTree>
-    <p:extLst>
-      <p:ext uri="{BB962C8B-B14F-4D97-AF65-F5344CB8AC3E}">
-        <p14:creationId xmlns:p14="http://schemas.microsoft.com/office/powerpoint/2010/main" val="4076599501"/>
-      </p:ext>
-    </p:extLst>
-  </p:cSld>
-  <p:clrMapOvr>
-    <a:masterClrMapping/>
-  </p:clrMapOvr>
-  <p:timing>
-    <p:tnLst>
-      <p:par>
-        <p:cTn xmlns:p14="http://schemas.microsoft.com/office/powerpoint/2010/main" id="1" dur="indefinite" restart="never" nodeType="tmRoot"/>
-      </p:par>
-    </p:tnLst>
-  </p:timing>
-</p:sld>
-</file>
-
 <file path=ppt/slides/slide2.xml><?xml version="1.0" encoding="utf-8"?>
 <p:sld xmlns:a="http://schemas.openxmlformats.org/drawingml/2006/main" xmlns:r="http://schemas.openxmlformats.org/officeDocument/2006/relationships" xmlns:p="http://schemas.openxmlformats.org/presentationml/2006/main">
   <p:cSld>
@@ -5152,6 +4973,314 @@
     <p:extLst>
       <p:ext uri="{BB962C8B-B14F-4D97-AF65-F5344CB8AC3E}">
         <p14:creationId xmlns:p14="http://schemas.microsoft.com/office/powerpoint/2010/main" val="2589989488"/>
+      </p:ext>
+    </p:extLst>
+  </p:cSld>
+  <p:clrMapOvr>
+    <a:masterClrMapping/>
+  </p:clrMapOvr>
+  <p:timing>
+    <p:tnLst>
+      <p:par>
+        <p:cTn xmlns:p14="http://schemas.microsoft.com/office/powerpoint/2010/main" id="1" dur="indefinite" restart="never" nodeType="tmRoot"/>
+      </p:par>
+    </p:tnLst>
+  </p:timing>
+</p:sld>
+</file>
+
+<file path=ppt/slides/slide20.xml><?xml version="1.0" encoding="utf-8"?>
+<p:sld xmlns:a="http://schemas.openxmlformats.org/drawingml/2006/main" xmlns:r="http://schemas.openxmlformats.org/officeDocument/2006/relationships" xmlns:p="http://schemas.openxmlformats.org/presentationml/2006/main">
+  <p:cSld>
+    <p:spTree>
+      <p:nvGrpSpPr>
+        <p:cNvPr id="1" name=""/>
+        <p:cNvGrpSpPr/>
+        <p:nvPr/>
+      </p:nvGrpSpPr>
+      <p:grpSpPr>
+        <a:xfrm>
+          <a:off x="0" y="0"/>
+          <a:ext cx="0" cy="0"/>
+          <a:chOff x="0" y="0"/>
+          <a:chExt cx="0" cy="0"/>
+        </a:xfrm>
+      </p:grpSpPr>
+      <p:sp>
+        <p:nvSpPr>
+          <p:cNvPr id="2" name="Title 1"/>
+          <p:cNvSpPr>
+            <a:spLocks noGrp="1"/>
+          </p:cNvSpPr>
+          <p:nvPr>
+            <p:ph type="title"/>
+          </p:nvPr>
+        </p:nvSpPr>
+        <p:spPr/>
+        <p:txBody>
+          <a:bodyPr/>
+          <a:lstStyle/>
+          <a:p>
+            <a:r>
+              <a:rPr lang="en-US" dirty="0" smtClean="0"/>
+              <a:t>Day 6: Storytelling Madness!</a:t>
+            </a:r>
+            <a:endParaRPr lang="en-US" dirty="0"/>
+          </a:p>
+        </p:txBody>
+      </p:sp>
+      <p:sp>
+        <p:nvSpPr>
+          <p:cNvPr id="4" name="TextBox 3"/>
+          <p:cNvSpPr txBox="1"/>
+          <p:nvPr/>
+        </p:nvSpPr>
+        <p:spPr>
+          <a:xfrm>
+            <a:off x="2838403" y="2180087"/>
+            <a:ext cx="1552303" cy="646331"/>
+          </a:xfrm>
+          <a:prstGeom prst="rect">
+            <a:avLst/>
+          </a:prstGeom>
+          <a:noFill/>
+        </p:spPr>
+        <p:txBody>
+          <a:bodyPr wrap="none" rtlCol="0">
+            <a:spAutoFit/>
+          </a:bodyPr>
+          <a:lstStyle/>
+          <a:p>
+            <a:pPr algn="ctr"/>
+            <a:r>
+              <a:rPr lang="en-US" sz="3600" dirty="0" smtClean="0"/>
+              <a:t>biology</a:t>
+            </a:r>
+            <a:endParaRPr lang="en-US" sz="3600" dirty="0"/>
+          </a:p>
+        </p:txBody>
+      </p:sp>
+      <p:sp>
+        <p:nvSpPr>
+          <p:cNvPr id="5" name="TextBox 4"/>
+          <p:cNvSpPr txBox="1"/>
+          <p:nvPr/>
+        </p:nvSpPr>
+        <p:spPr>
+          <a:xfrm>
+            <a:off x="5903614" y="3149583"/>
+            <a:ext cx="2910923" cy="646331"/>
+          </a:xfrm>
+          <a:prstGeom prst="rect">
+            <a:avLst/>
+          </a:prstGeom>
+          <a:noFill/>
+        </p:spPr>
+        <p:txBody>
+          <a:bodyPr wrap="none" rtlCol="0">
+            <a:spAutoFit/>
+          </a:bodyPr>
+          <a:lstStyle/>
+          <a:p>
+            <a:pPr algn="ctr"/>
+            <a:r>
+              <a:rPr lang="en-US" sz="3600" dirty="0" err="1" smtClean="0"/>
+              <a:t>stackoverflow</a:t>
+            </a:r>
+            <a:endParaRPr lang="en-US" sz="3600" dirty="0"/>
+          </a:p>
+        </p:txBody>
+      </p:sp>
+      <p:sp>
+        <p:nvSpPr>
+          <p:cNvPr id="6" name="TextBox 5"/>
+          <p:cNvSpPr txBox="1"/>
+          <p:nvPr/>
+        </p:nvSpPr>
+        <p:spPr>
+          <a:xfrm>
+            <a:off x="675108" y="3963197"/>
+            <a:ext cx="2452414" cy="646331"/>
+          </a:xfrm>
+          <a:prstGeom prst="rect">
+            <a:avLst/>
+          </a:prstGeom>
+          <a:noFill/>
+        </p:spPr>
+        <p:txBody>
+          <a:bodyPr wrap="none" rtlCol="0">
+            <a:spAutoFit/>
+          </a:bodyPr>
+          <a:lstStyle/>
+          <a:p>
+            <a:pPr algn="ctr"/>
+            <a:r>
+              <a:rPr lang="en-US" sz="3600" dirty="0" smtClean="0"/>
+              <a:t>source code</a:t>
+            </a:r>
+            <a:endParaRPr lang="en-US" sz="3600" dirty="0"/>
+          </a:p>
+        </p:txBody>
+      </p:sp>
+      <p:sp>
+        <p:nvSpPr>
+          <p:cNvPr id="7" name="TextBox 6"/>
+          <p:cNvSpPr txBox="1"/>
+          <p:nvPr/>
+        </p:nvSpPr>
+        <p:spPr>
+          <a:xfrm>
+            <a:off x="5223562" y="4785069"/>
+            <a:ext cx="2188219" cy="646331"/>
+          </a:xfrm>
+          <a:prstGeom prst="rect">
+            <a:avLst/>
+          </a:prstGeom>
+          <a:noFill/>
+        </p:spPr>
+        <p:txBody>
+          <a:bodyPr wrap="none" rtlCol="0">
+            <a:spAutoFit/>
+          </a:bodyPr>
+          <a:lstStyle/>
+          <a:p>
+            <a:pPr algn="ctr"/>
+            <a:r>
+              <a:rPr lang="en-US" sz="3600" dirty="0" smtClean="0"/>
+              <a:t>healthcare</a:t>
+            </a:r>
+            <a:endParaRPr lang="en-US" sz="3600" dirty="0"/>
+          </a:p>
+        </p:txBody>
+      </p:sp>
+      <p:sp>
+        <p:nvSpPr>
+          <p:cNvPr id="8" name="TextBox 7"/>
+          <p:cNvSpPr txBox="1"/>
+          <p:nvPr/>
+        </p:nvSpPr>
+        <p:spPr>
+          <a:xfrm>
+            <a:off x="2097328" y="5108234"/>
+            <a:ext cx="1560193" cy="646331"/>
+          </a:xfrm>
+          <a:prstGeom prst="rect">
+            <a:avLst/>
+          </a:prstGeom>
+          <a:noFill/>
+        </p:spPr>
+        <p:txBody>
+          <a:bodyPr wrap="none" rtlCol="0">
+            <a:spAutoFit/>
+          </a:bodyPr>
+          <a:lstStyle/>
+          <a:p>
+            <a:pPr algn="ctr"/>
+            <a:r>
+              <a:rPr lang="en-US" sz="3600" dirty="0" smtClean="0"/>
+              <a:t>finance</a:t>
+            </a:r>
+            <a:endParaRPr lang="en-US" sz="3600" dirty="0"/>
+          </a:p>
+        </p:txBody>
+      </p:sp>
+      <p:sp>
+        <p:nvSpPr>
+          <p:cNvPr id="9" name="TextBox 8"/>
+          <p:cNvSpPr txBox="1"/>
+          <p:nvPr/>
+        </p:nvSpPr>
+        <p:spPr>
+          <a:xfrm>
+            <a:off x="3246066" y="3625149"/>
+            <a:ext cx="2657548" cy="646331"/>
+          </a:xfrm>
+          <a:prstGeom prst="rect">
+            <a:avLst/>
+          </a:prstGeom>
+          <a:noFill/>
+        </p:spPr>
+        <p:txBody>
+          <a:bodyPr wrap="none" rtlCol="0">
+            <a:spAutoFit/>
+          </a:bodyPr>
+          <a:lstStyle/>
+          <a:p>
+            <a:pPr algn="ctr"/>
+            <a:r>
+              <a:rPr lang="en-US" sz="3600" dirty="0" smtClean="0"/>
+              <a:t>web scraping</a:t>
+            </a:r>
+            <a:endParaRPr lang="en-US" sz="3600" dirty="0"/>
+          </a:p>
+        </p:txBody>
+      </p:sp>
+      <p:sp>
+        <p:nvSpPr>
+          <p:cNvPr id="10" name="TextBox 9"/>
+          <p:cNvSpPr txBox="1"/>
+          <p:nvPr/>
+        </p:nvSpPr>
+        <p:spPr>
+          <a:xfrm>
+            <a:off x="414844" y="2826418"/>
+            <a:ext cx="2189572" cy="646331"/>
+          </a:xfrm>
+          <a:prstGeom prst="rect">
+            <a:avLst/>
+          </a:prstGeom>
+          <a:noFill/>
+        </p:spPr>
+        <p:txBody>
+          <a:bodyPr wrap="none" rtlCol="0">
+            <a:spAutoFit/>
+          </a:bodyPr>
+          <a:lstStyle/>
+          <a:p>
+            <a:pPr algn="ctr"/>
+            <a:r>
+              <a:rPr lang="en-US" sz="3600" dirty="0" smtClean="0"/>
+              <a:t>economics</a:t>
+            </a:r>
+            <a:endParaRPr lang="en-US" sz="3600" dirty="0"/>
+          </a:p>
+        </p:txBody>
+      </p:sp>
+      <p:sp>
+        <p:nvSpPr>
+          <p:cNvPr id="11" name="TextBox 10"/>
+          <p:cNvSpPr txBox="1"/>
+          <p:nvPr/>
+        </p:nvSpPr>
+        <p:spPr>
+          <a:xfrm>
+            <a:off x="5484600" y="1975303"/>
+            <a:ext cx="1928984" cy="646331"/>
+          </a:xfrm>
+          <a:prstGeom prst="rect">
+            <a:avLst/>
+          </a:prstGeom>
+          <a:noFill/>
+        </p:spPr>
+        <p:txBody>
+          <a:bodyPr wrap="none" rtlCol="0">
+            <a:spAutoFit/>
+          </a:bodyPr>
+          <a:lstStyle/>
+          <a:p>
+            <a:pPr algn="ctr"/>
+            <a:r>
+              <a:rPr lang="en-US" sz="3600" dirty="0" smtClean="0"/>
+              <a:t>sociology</a:t>
+            </a:r>
+            <a:endParaRPr lang="en-US" sz="3600" dirty="0"/>
+          </a:p>
+        </p:txBody>
+      </p:sp>
+    </p:spTree>
+    <p:extLst>
+      <p:ext uri="{BB962C8B-B14F-4D97-AF65-F5344CB8AC3E}">
+        <p14:creationId xmlns:p14="http://schemas.microsoft.com/office/powerpoint/2010/main" val="4076599501"/>
       </p:ext>
     </p:extLst>
   </p:cSld>
@@ -5439,7 +5568,7 @@
         </p:blipFill>
         <p:spPr>
           <a:xfrm>
-            <a:off x="639247" y="2641600"/>
+            <a:off x="639247" y="1640541"/>
             <a:ext cx="3327400" cy="1574800"/>
           </a:xfrm>
           <a:prstGeom prst="rect">
@@ -5463,8 +5592,32 @@
         </p:blipFill>
         <p:spPr>
           <a:xfrm>
-            <a:off x="4984684" y="2755751"/>
+            <a:off x="4775508" y="1640541"/>
             <a:ext cx="3759200" cy="1574800"/>
+          </a:xfrm>
+          <a:prstGeom prst="rect">
+            <a:avLst/>
+          </a:prstGeom>
+        </p:spPr>
+      </p:pic>
+      <p:pic>
+        <p:nvPicPr>
+          <p:cNvPr id="3" name="Picture 2"/>
+          <p:cNvPicPr>
+            <a:picLocks noChangeAspect="1"/>
+          </p:cNvPicPr>
+          <p:nvPr/>
+        </p:nvPicPr>
+        <p:blipFill>
+          <a:blip r:embed="rId4"/>
+          <a:stretch>
+            <a:fillRect/>
+          </a:stretch>
+        </p:blipFill>
+        <p:spPr>
+          <a:xfrm>
+            <a:off x="2299007" y="2154517"/>
+            <a:ext cx="5132294" cy="5132294"/>
           </a:xfrm>
           <a:prstGeom prst="rect">
             <a:avLst/>
@@ -5492,6 +5645,77 @@
 </file>
 
 <file path=ppt/slides/slide6.xml><?xml version="1.0" encoding="utf-8"?>
+<p:sld xmlns:a="http://schemas.openxmlformats.org/drawingml/2006/main" xmlns:r="http://schemas.openxmlformats.org/officeDocument/2006/relationships" xmlns:p="http://schemas.openxmlformats.org/presentationml/2006/main">
+  <p:cSld>
+    <p:spTree>
+      <p:nvGrpSpPr>
+        <p:cNvPr id="1" name=""/>
+        <p:cNvGrpSpPr/>
+        <p:nvPr/>
+      </p:nvGrpSpPr>
+      <p:grpSpPr>
+        <a:xfrm>
+          <a:off x="0" y="0"/>
+          <a:ext cx="0" cy="0"/>
+          <a:chOff x="0" y="0"/>
+          <a:chExt cx="0" cy="0"/>
+        </a:xfrm>
+      </p:grpSpPr>
+      <p:sp>
+        <p:nvSpPr>
+          <p:cNvPr id="4" name="Rectangle 3"/>
+          <p:cNvSpPr/>
+          <p:nvPr/>
+        </p:nvSpPr>
+        <p:spPr>
+          <a:xfrm>
+            <a:off x="242600" y="2649467"/>
+            <a:ext cx="8744419" cy="707886"/>
+          </a:xfrm>
+          <a:prstGeom prst="rect">
+            <a:avLst/>
+          </a:prstGeom>
+        </p:spPr>
+        <p:txBody>
+          <a:bodyPr wrap="square">
+            <a:spAutoFit/>
+          </a:bodyPr>
+          <a:lstStyle/>
+          <a:p>
+            <a:pPr algn="ctr"/>
+            <a:r>
+              <a:rPr lang="en-US" sz="4000" dirty="0" smtClean="0"/>
+              <a:t>Why </a:t>
+            </a:r>
+            <a:r>
+              <a:rPr lang="en-US" sz="4000" dirty="0" smtClean="0"/>
+              <a:t>is this important?</a:t>
+            </a:r>
+            <a:endParaRPr lang="en-US" sz="4000" dirty="0"/>
+          </a:p>
+        </p:txBody>
+      </p:sp>
+    </p:spTree>
+    <p:extLst>
+      <p:ext uri="{BB962C8B-B14F-4D97-AF65-F5344CB8AC3E}">
+        <p14:creationId xmlns:p14="http://schemas.microsoft.com/office/powerpoint/2010/main" val="3753211763"/>
+      </p:ext>
+    </p:extLst>
+  </p:cSld>
+  <p:clrMapOvr>
+    <a:masterClrMapping/>
+  </p:clrMapOvr>
+  <p:timing>
+    <p:tnLst>
+      <p:par>
+        <p:cTn xmlns:p14="http://schemas.microsoft.com/office/powerpoint/2010/main" id="1" dur="indefinite" restart="never" nodeType="tmRoot"/>
+      </p:par>
+    </p:tnLst>
+  </p:timing>
+</p:sld>
+</file>
+
+<file path=ppt/slides/slide7.xml><?xml version="1.0" encoding="utf-8"?>
 <p:sld xmlns:a="http://schemas.openxmlformats.org/drawingml/2006/main" xmlns:r="http://schemas.openxmlformats.org/officeDocument/2006/relationships" xmlns:p="http://schemas.openxmlformats.org/presentationml/2006/main">
   <p:cSld>
     <p:spTree>
@@ -5600,7 +5824,7 @@
 </p:sld>
 </file>
 
-<file path=ppt/slides/slide7.xml><?xml version="1.0" encoding="utf-8"?>
+<file path=ppt/slides/slide8.xml><?xml version="1.0" encoding="utf-8"?>
 <p:sld xmlns:a="http://schemas.openxmlformats.org/drawingml/2006/main" xmlns:r="http://schemas.openxmlformats.org/officeDocument/2006/relationships" xmlns:p="http://schemas.openxmlformats.org/presentationml/2006/main">
   <p:cSld>
     <p:spTree>
@@ -5799,73 +6023,6 @@
 </p:sld>
 </file>
 
-<file path=ppt/slides/slide8.xml><?xml version="1.0" encoding="utf-8"?>
-<p:sld xmlns:a="http://schemas.openxmlformats.org/drawingml/2006/main" xmlns:r="http://schemas.openxmlformats.org/officeDocument/2006/relationships" xmlns:p="http://schemas.openxmlformats.org/presentationml/2006/main">
-  <p:cSld>
-    <p:spTree>
-      <p:nvGrpSpPr>
-        <p:cNvPr id="1" name=""/>
-        <p:cNvGrpSpPr/>
-        <p:nvPr/>
-      </p:nvGrpSpPr>
-      <p:grpSpPr>
-        <a:xfrm>
-          <a:off x="0" y="0"/>
-          <a:ext cx="0" cy="0"/>
-          <a:chOff x="0" y="0"/>
-          <a:chExt cx="0" cy="0"/>
-        </a:xfrm>
-      </p:grpSpPr>
-      <p:sp>
-        <p:nvSpPr>
-          <p:cNvPr id="4" name="Rectangle 3"/>
-          <p:cNvSpPr/>
-          <p:nvPr/>
-        </p:nvSpPr>
-        <p:spPr>
-          <a:xfrm>
-            <a:off x="242600" y="2649467"/>
-            <a:ext cx="8744419" cy="707886"/>
-          </a:xfrm>
-          <a:prstGeom prst="rect">
-            <a:avLst/>
-          </a:prstGeom>
-        </p:spPr>
-        <p:txBody>
-          <a:bodyPr wrap="square">
-            <a:spAutoFit/>
-          </a:bodyPr>
-          <a:lstStyle/>
-          <a:p>
-            <a:pPr algn="ctr"/>
-            <a:r>
-              <a:rPr lang="en-US" sz="4000" dirty="0" smtClean="0"/>
-              <a:t>Why now?</a:t>
-            </a:r>
-            <a:endParaRPr lang="en-US" sz="4000" dirty="0"/>
-          </a:p>
-        </p:txBody>
-      </p:sp>
-    </p:spTree>
-    <p:extLst>
-      <p:ext uri="{BB962C8B-B14F-4D97-AF65-F5344CB8AC3E}">
-        <p14:creationId xmlns:p14="http://schemas.microsoft.com/office/powerpoint/2010/main" val="675972379"/>
-      </p:ext>
-    </p:extLst>
-  </p:cSld>
-  <p:clrMapOvr>
-    <a:masterClrMapping/>
-  </p:clrMapOvr>
-  <p:timing>
-    <p:tnLst>
-      <p:par>
-        <p:cTn xmlns:p14="http://schemas.microsoft.com/office/powerpoint/2010/main" id="1" dur="indefinite" restart="never" nodeType="tmRoot"/>
-      </p:par>
-    </p:tnLst>
-  </p:timing>
-</p:sld>
-</file>
-
 <file path=ppt/slides/slide9.xml><?xml version="1.0" encoding="utf-8"?>
 <p:sld xmlns:a="http://schemas.openxmlformats.org/drawingml/2006/main" xmlns:r="http://schemas.openxmlformats.org/officeDocument/2006/relationships" xmlns:p="http://schemas.openxmlformats.org/presentationml/2006/main">
   <p:cSld>
@@ -5883,105 +6040,40 @@
           <a:chExt cx="0" cy="0"/>
         </a:xfrm>
       </p:grpSpPr>
-      <p:pic>
-        <p:nvPicPr>
-          <p:cNvPr id="6" name="Picture 5"/>
-          <p:cNvPicPr>
-            <a:picLocks noChangeAspect="1"/>
-          </p:cNvPicPr>
+      <p:sp>
+        <p:nvSpPr>
+          <p:cNvPr id="4" name="Rectangle 3"/>
+          <p:cNvSpPr/>
           <p:nvPr/>
-        </p:nvPicPr>
-        <p:blipFill rotWithShape="1">
-          <a:blip r:embed="rId2"/>
-          <a:srcRect l="15177" t="30192" r="15060" b="23930"/>
-          <a:stretch/>
-        </p:blipFill>
+        </p:nvSpPr>
         <p:spPr>
           <a:xfrm>
-            <a:off x="3493421" y="1671286"/>
-            <a:ext cx="2126346" cy="1398355"/>
+            <a:off x="242600" y="2649467"/>
+            <a:ext cx="8744419" cy="707886"/>
           </a:xfrm>
           <a:prstGeom prst="rect">
             <a:avLst/>
           </a:prstGeom>
         </p:spPr>
-      </p:pic>
-      <p:pic>
-        <p:nvPicPr>
-          <p:cNvPr id="7" name="Picture 6"/>
-          <p:cNvPicPr>
-            <a:picLocks noChangeAspect="1"/>
-          </p:cNvPicPr>
-          <p:nvPr/>
-        </p:nvPicPr>
-        <p:blipFill>
-          <a:blip r:embed="rId3"/>
-          <a:stretch>
-            <a:fillRect/>
-          </a:stretch>
-        </p:blipFill>
-        <p:spPr>
-          <a:xfrm>
-            <a:off x="3235794" y="419382"/>
-            <a:ext cx="2641600" cy="698500"/>
-          </a:xfrm>
-          <a:prstGeom prst="rect">
-            <a:avLst/>
-          </a:prstGeom>
-        </p:spPr>
-      </p:pic>
-      <p:pic>
-        <p:nvPicPr>
-          <p:cNvPr id="9" name="Picture 8"/>
-          <p:cNvPicPr>
-            <a:picLocks noChangeAspect="1"/>
-          </p:cNvPicPr>
-          <p:nvPr/>
-        </p:nvPicPr>
-        <p:blipFill>
-          <a:blip r:embed="rId4"/>
-          <a:stretch>
-            <a:fillRect/>
-          </a:stretch>
-        </p:blipFill>
-        <p:spPr>
-          <a:xfrm>
-            <a:off x="2320294" y="3623045"/>
-            <a:ext cx="4472600" cy="1177000"/>
-          </a:xfrm>
-          <a:prstGeom prst="rect">
-            <a:avLst/>
-          </a:prstGeom>
-        </p:spPr>
-      </p:pic>
-      <p:pic>
-        <p:nvPicPr>
-          <p:cNvPr id="11" name="Picture 10"/>
-          <p:cNvPicPr>
-            <a:picLocks noChangeAspect="1"/>
-          </p:cNvPicPr>
-          <p:nvPr/>
-        </p:nvPicPr>
-        <p:blipFill>
-          <a:blip r:embed="rId5"/>
-          <a:stretch>
-            <a:fillRect/>
-          </a:stretch>
-        </p:blipFill>
-        <p:spPr>
-          <a:xfrm>
-            <a:off x="2341700" y="5353450"/>
-            <a:ext cx="4429788" cy="1057109"/>
-          </a:xfrm>
-          <a:prstGeom prst="rect">
-            <a:avLst/>
-          </a:prstGeom>
-        </p:spPr>
-      </p:pic>
+        <p:txBody>
+          <a:bodyPr wrap="square">
+            <a:spAutoFit/>
+          </a:bodyPr>
+          <a:lstStyle/>
+          <a:p>
+            <a:pPr algn="ctr"/>
+            <a:r>
+              <a:rPr lang="en-US" sz="4000" dirty="0" smtClean="0"/>
+              <a:t>Why now?</a:t>
+            </a:r>
+            <a:endParaRPr lang="en-US" sz="4000" dirty="0"/>
+          </a:p>
+        </p:txBody>
+      </p:sp>
     </p:spTree>
     <p:extLst>
       <p:ext uri="{BB962C8B-B14F-4D97-AF65-F5344CB8AC3E}">
-        <p14:creationId xmlns:p14="http://schemas.microsoft.com/office/powerpoint/2010/main" val="3594788266"/>
+        <p14:creationId xmlns:p14="http://schemas.microsoft.com/office/powerpoint/2010/main" val="675972379"/>
       </p:ext>
     </p:extLst>
   </p:cSld>

--- a/lectures/day1-intro.pptx
+++ b/lectures/day1-intro.pptx
@@ -5,7 +5,7 @@
     <p:sldMasterId id="2147483648" r:id="rId1"/>
   </p:sldMasterIdLst>
   <p:notesMasterIdLst>
-    <p:notesMasterId r:id="rId22"/>
+    <p:notesMasterId r:id="rId23"/>
   </p:notesMasterIdLst>
   <p:sldIdLst>
     <p:sldId id="256" r:id="rId2"/>
@@ -19,15 +19,16 @@
     <p:sldId id="275" r:id="rId10"/>
     <p:sldId id="273" r:id="rId11"/>
     <p:sldId id="274" r:id="rId12"/>
-    <p:sldId id="272" r:id="rId13"/>
-    <p:sldId id="276" r:id="rId14"/>
-    <p:sldId id="277" r:id="rId15"/>
-    <p:sldId id="262" r:id="rId16"/>
-    <p:sldId id="263" r:id="rId17"/>
-    <p:sldId id="264" r:id="rId18"/>
-    <p:sldId id="265" r:id="rId19"/>
-    <p:sldId id="266" r:id="rId20"/>
-    <p:sldId id="267" r:id="rId21"/>
+    <p:sldId id="279" r:id="rId13"/>
+    <p:sldId id="272" r:id="rId14"/>
+    <p:sldId id="276" r:id="rId15"/>
+    <p:sldId id="277" r:id="rId16"/>
+    <p:sldId id="262" r:id="rId17"/>
+    <p:sldId id="263" r:id="rId18"/>
+    <p:sldId id="264" r:id="rId19"/>
+    <p:sldId id="265" r:id="rId20"/>
+    <p:sldId id="266" r:id="rId21"/>
+    <p:sldId id="267" r:id="rId22"/>
   </p:sldIdLst>
   <p:sldSz cx="9144000" cy="6858000" type="screen4x3"/>
   <p:notesSz cx="6858000" cy="9144000"/>
@@ -211,7 +212,7 @@
           <a:p>
             <a:fld id="{973C8552-4635-E645-9B2C-86428A645CB1}" type="datetimeFigureOut">
               <a:rPr lang="en-US" smtClean="0"/>
-              <a:t>1/8/12</a:t>
+              <a:t>1/9/12</a:t>
             </a:fld>
             <a:endParaRPr lang="en-US"/>
           </a:p>
@@ -796,7 +797,7 @@
           <a:p>
             <a:fld id="{4337C64D-08AD-5443-A64F-675CD4FBC947}" type="slidenum">
               <a:rPr lang="en-US" smtClean="0"/>
-              <a:t>18</a:t>
+              <a:t>19</a:t>
             </a:fld>
             <a:endParaRPr lang="en-US"/>
           </a:p>
@@ -996,7 +997,7 @@
           <a:p>
             <a:fld id="{D4FD3536-E56C-3B45-804E-B9437F4EFC43}" type="datetimeFigureOut">
               <a:rPr lang="en-US" smtClean="0"/>
-              <a:t>1/8/12</a:t>
+              <a:t>1/9/12</a:t>
             </a:fld>
             <a:endParaRPr lang="en-US"/>
           </a:p>
@@ -1166,7 +1167,7 @@
           <a:p>
             <a:fld id="{D4FD3536-E56C-3B45-804E-B9437F4EFC43}" type="datetimeFigureOut">
               <a:rPr lang="en-US" smtClean="0"/>
-              <a:t>1/8/12</a:t>
+              <a:t>1/9/12</a:t>
             </a:fld>
             <a:endParaRPr lang="en-US"/>
           </a:p>
@@ -1346,7 +1347,7 @@
           <a:p>
             <a:fld id="{D4FD3536-E56C-3B45-804E-B9437F4EFC43}" type="datetimeFigureOut">
               <a:rPr lang="en-US" smtClean="0"/>
-              <a:t>1/8/12</a:t>
+              <a:t>1/9/12</a:t>
             </a:fld>
             <a:endParaRPr lang="en-US"/>
           </a:p>
@@ -1516,7 +1517,7 @@
           <a:p>
             <a:fld id="{D4FD3536-E56C-3B45-804E-B9437F4EFC43}" type="datetimeFigureOut">
               <a:rPr lang="en-US" smtClean="0"/>
-              <a:t>1/8/12</a:t>
+              <a:t>1/9/12</a:t>
             </a:fld>
             <a:endParaRPr lang="en-US"/>
           </a:p>
@@ -1762,7 +1763,7 @@
           <a:p>
             <a:fld id="{D4FD3536-E56C-3B45-804E-B9437F4EFC43}" type="datetimeFigureOut">
               <a:rPr lang="en-US" smtClean="0"/>
-              <a:t>1/8/12</a:t>
+              <a:t>1/9/12</a:t>
             </a:fld>
             <a:endParaRPr lang="en-US"/>
           </a:p>
@@ -2050,7 +2051,7 @@
           <a:p>
             <a:fld id="{D4FD3536-E56C-3B45-804E-B9437F4EFC43}" type="datetimeFigureOut">
               <a:rPr lang="en-US" smtClean="0"/>
-              <a:t>1/8/12</a:t>
+              <a:t>1/9/12</a:t>
             </a:fld>
             <a:endParaRPr lang="en-US"/>
           </a:p>
@@ -2472,7 +2473,7 @@
           <a:p>
             <a:fld id="{D4FD3536-E56C-3B45-804E-B9437F4EFC43}" type="datetimeFigureOut">
               <a:rPr lang="en-US" smtClean="0"/>
-              <a:t>1/8/12</a:t>
+              <a:t>1/9/12</a:t>
             </a:fld>
             <a:endParaRPr lang="en-US"/>
           </a:p>
@@ -2590,7 +2591,7 @@
           <a:p>
             <a:fld id="{D4FD3536-E56C-3B45-804E-B9437F4EFC43}" type="datetimeFigureOut">
               <a:rPr lang="en-US" smtClean="0"/>
-              <a:t>1/8/12</a:t>
+              <a:t>1/9/12</a:t>
             </a:fld>
             <a:endParaRPr lang="en-US"/>
           </a:p>
@@ -2685,7 +2686,7 @@
           <a:p>
             <a:fld id="{D4FD3536-E56C-3B45-804E-B9437F4EFC43}" type="datetimeFigureOut">
               <a:rPr lang="en-US" smtClean="0"/>
-              <a:t>1/8/12</a:t>
+              <a:t>1/9/12</a:t>
             </a:fld>
             <a:endParaRPr lang="en-US"/>
           </a:p>
@@ -2962,7 +2963,7 @@
           <a:p>
             <a:fld id="{D4FD3536-E56C-3B45-804E-B9437F4EFC43}" type="datetimeFigureOut">
               <a:rPr lang="en-US" smtClean="0"/>
-              <a:t>1/8/12</a:t>
+              <a:t>1/9/12</a:t>
             </a:fld>
             <a:endParaRPr lang="en-US"/>
           </a:p>
@@ -3215,7 +3216,7 @@
           <a:p>
             <a:fld id="{D4FD3536-E56C-3B45-804E-B9437F4EFC43}" type="datetimeFigureOut">
               <a:rPr lang="en-US" smtClean="0"/>
-              <a:t>1/8/12</a:t>
+              <a:t>1/9/12</a:t>
             </a:fld>
             <a:endParaRPr lang="en-US"/>
           </a:p>
@@ -3428,7 +3429,7 @@
           <a:p>
             <a:fld id="{D4FD3536-E56C-3B45-804E-B9437F4EFC43}" type="datetimeFigureOut">
               <a:rPr lang="en-US" smtClean="0"/>
-              <a:t>1/8/12</a:t>
+              <a:t>1/9/12</a:t>
             </a:fld>
             <a:endParaRPr lang="en-US"/>
           </a:p>
@@ -4027,7 +4028,7 @@
       </p:grpSpPr>
       <p:pic>
         <p:nvPicPr>
-          <p:cNvPr id="4" name="Picture 3"/>
+          <p:cNvPr id="5" name="Picture 4"/>
           <p:cNvPicPr>
             <a:picLocks noChangeAspect="1"/>
           </p:cNvPicPr>
@@ -4035,30 +4036,6 @@
         </p:nvPicPr>
         <p:blipFill>
           <a:blip r:embed="rId2"/>
-          <a:stretch>
-            <a:fillRect/>
-          </a:stretch>
-        </p:blipFill>
-        <p:spPr>
-          <a:xfrm>
-            <a:off x="1240255" y="2188314"/>
-            <a:ext cx="6679268" cy="3756475"/>
-          </a:xfrm>
-          <a:prstGeom prst="rect">
-            <a:avLst/>
-          </a:prstGeom>
-        </p:spPr>
-      </p:pic>
-      <p:pic>
-        <p:nvPicPr>
-          <p:cNvPr id="5" name="Picture 4"/>
-          <p:cNvPicPr>
-            <a:picLocks noChangeAspect="1"/>
-          </p:cNvPicPr>
-          <p:nvPr/>
-        </p:nvPicPr>
-        <p:blipFill>
-          <a:blip r:embed="rId3"/>
           <a:stretch>
             <a:fillRect/>
           </a:stretch>
@@ -4094,6 +4071,67 @@
 </file>
 
 <file path=ppt/slides/slide12.xml><?xml version="1.0" encoding="utf-8"?>
+<p:sld xmlns:a="http://schemas.openxmlformats.org/drawingml/2006/main" xmlns:r="http://schemas.openxmlformats.org/officeDocument/2006/relationships" xmlns:p="http://schemas.openxmlformats.org/presentationml/2006/main">
+  <p:cSld>
+    <p:spTree>
+      <p:nvGrpSpPr>
+        <p:cNvPr id="1" name=""/>
+        <p:cNvGrpSpPr/>
+        <p:nvPr/>
+      </p:nvGrpSpPr>
+      <p:grpSpPr>
+        <a:xfrm>
+          <a:off x="0" y="0"/>
+          <a:ext cx="0" cy="0"/>
+          <a:chOff x="0" y="0"/>
+          <a:chExt cx="0" cy="0"/>
+        </a:xfrm>
+      </p:grpSpPr>
+      <p:pic>
+        <p:nvPicPr>
+          <p:cNvPr id="4" name="Picture 3"/>
+          <p:cNvPicPr>
+            <a:picLocks noChangeAspect="1"/>
+          </p:cNvPicPr>
+          <p:nvPr/>
+        </p:nvPicPr>
+        <p:blipFill>
+          <a:blip r:embed="rId2"/>
+          <a:stretch>
+            <a:fillRect/>
+          </a:stretch>
+        </p:blipFill>
+        <p:spPr>
+          <a:xfrm>
+            <a:off x="1240255" y="2188314"/>
+            <a:ext cx="6679268" cy="3756475"/>
+          </a:xfrm>
+          <a:prstGeom prst="rect">
+            <a:avLst/>
+          </a:prstGeom>
+        </p:spPr>
+      </p:pic>
+    </p:spTree>
+    <p:extLst>
+      <p:ext uri="{BB962C8B-B14F-4D97-AF65-F5344CB8AC3E}">
+        <p14:creationId xmlns:p14="http://schemas.microsoft.com/office/powerpoint/2010/main" val="3482609128"/>
+      </p:ext>
+    </p:extLst>
+  </p:cSld>
+  <p:clrMapOvr>
+    <a:masterClrMapping/>
+  </p:clrMapOvr>
+  <p:timing>
+    <p:tnLst>
+      <p:par>
+        <p:cTn xmlns:p14="http://schemas.microsoft.com/office/powerpoint/2010/main" id="1" dur="indefinite" restart="never" nodeType="tmRoot"/>
+      </p:par>
+    </p:tnLst>
+  </p:timing>
+</p:sld>
+</file>
+
+<file path=ppt/slides/slide13.xml><?xml version="1.0" encoding="utf-8"?>
 <p:sld xmlns:a="http://schemas.openxmlformats.org/drawingml/2006/main" xmlns:r="http://schemas.openxmlformats.org/officeDocument/2006/relationships" xmlns:p="http://schemas.openxmlformats.org/presentationml/2006/main">
   <p:cSld>
     <p:spTree>
@@ -4298,7 +4336,7 @@
 </p:sld>
 </file>
 
-<file path=ppt/slides/slide13.xml><?xml version="1.0" encoding="utf-8"?>
+<file path=ppt/slides/slide14.xml><?xml version="1.0" encoding="utf-8"?>
 <p:sld xmlns:a="http://schemas.openxmlformats.org/drawingml/2006/main" xmlns:r="http://schemas.openxmlformats.org/officeDocument/2006/relationships" xmlns:p="http://schemas.openxmlformats.org/presentationml/2006/main">
   <p:cSld>
     <p:spTree>
@@ -4365,7 +4403,7 @@
 </p:sld>
 </file>
 
-<file path=ppt/slides/slide14.xml><?xml version="1.0" encoding="utf-8"?>
+<file path=ppt/slides/slide15.xml><?xml version="1.0" encoding="utf-8"?>
 <p:sld xmlns:a="http://schemas.openxmlformats.org/drawingml/2006/main" xmlns:r="http://schemas.openxmlformats.org/officeDocument/2006/relationships" xmlns:p="http://schemas.openxmlformats.org/presentationml/2006/main">
   <p:cSld>
     <p:spTree>
@@ -4454,7 +4492,7 @@
 </p:sld>
 </file>
 
-<file path=ppt/slides/slide15.xml><?xml version="1.0" encoding="utf-8"?>
+<file path=ppt/slides/slide16.xml><?xml version="1.0" encoding="utf-8"?>
 <p:sld xmlns:a="http://schemas.openxmlformats.org/drawingml/2006/main" xmlns:r="http://schemas.openxmlformats.org/officeDocument/2006/relationships" xmlns:p="http://schemas.openxmlformats.org/presentationml/2006/main">
   <p:cSld>
     <p:spTree>
@@ -4537,7 +4575,7 @@
 </p:sld>
 </file>
 
-<file path=ppt/slides/slide16.xml><?xml version="1.0" encoding="utf-8"?>
+<file path=ppt/slides/slide17.xml><?xml version="1.0" encoding="utf-8"?>
 <p:sld xmlns:a="http://schemas.openxmlformats.org/drawingml/2006/main" xmlns:r="http://schemas.openxmlformats.org/officeDocument/2006/relationships" xmlns:p="http://schemas.openxmlformats.org/presentationml/2006/main">
   <p:cSld>
     <p:spTree>
@@ -4620,7 +4658,7 @@
 </p:sld>
 </file>
 
-<file path=ppt/slides/slide17.xml><?xml version="1.0" encoding="utf-8"?>
+<file path=ppt/slides/slide18.xml><?xml version="1.0" encoding="utf-8"?>
 <p:sld xmlns:a="http://schemas.openxmlformats.org/drawingml/2006/main" xmlns:r="http://schemas.openxmlformats.org/officeDocument/2006/relationships" xmlns:p="http://schemas.openxmlformats.org/presentationml/2006/main">
   <p:cSld>
     <p:spTree>
@@ -4703,7 +4741,7 @@
 </p:sld>
 </file>
 
-<file path=ppt/slides/slide18.xml><?xml version="1.0" encoding="utf-8"?>
+<file path=ppt/slides/slide19.xml><?xml version="1.0" encoding="utf-8"?>
 <p:sld xmlns:a="http://schemas.openxmlformats.org/drawingml/2006/main" xmlns:r="http://schemas.openxmlformats.org/officeDocument/2006/relationships" xmlns:p="http://schemas.openxmlformats.org/presentationml/2006/main">
   <p:cSld>
     <p:spTree>
@@ -4788,7 +4826,107 @@
 </p:sld>
 </file>
 
-<file path=ppt/slides/slide19.xml><?xml version="1.0" encoding="utf-8"?>
+<file path=ppt/slides/slide2.xml><?xml version="1.0" encoding="utf-8"?>
+<p:sld xmlns:a="http://schemas.openxmlformats.org/drawingml/2006/main" xmlns:r="http://schemas.openxmlformats.org/officeDocument/2006/relationships" xmlns:p="http://schemas.openxmlformats.org/presentationml/2006/main">
+  <p:cSld>
+    <p:spTree>
+      <p:nvGrpSpPr>
+        <p:cNvPr id="1" name=""/>
+        <p:cNvGrpSpPr/>
+        <p:nvPr/>
+      </p:nvGrpSpPr>
+      <p:grpSpPr>
+        <a:xfrm>
+          <a:off x="0" y="0"/>
+          <a:ext cx="0" cy="0"/>
+          <a:chOff x="0" y="0"/>
+          <a:chExt cx="0" cy="0"/>
+        </a:xfrm>
+      </p:grpSpPr>
+      <p:sp>
+        <p:nvSpPr>
+          <p:cNvPr id="2" name="Title 1"/>
+          <p:cNvSpPr>
+            <a:spLocks noGrp="1"/>
+          </p:cNvSpPr>
+          <p:nvPr>
+            <p:ph type="title"/>
+          </p:nvPr>
+        </p:nvSpPr>
+        <p:spPr/>
+        <p:txBody>
+          <a:bodyPr/>
+          <a:lstStyle/>
+          <a:p>
+            <a:r>
+              <a:rPr lang="en-US" dirty="0" smtClean="0"/>
+              <a:t>Course Basics</a:t>
+            </a:r>
+            <a:endParaRPr lang="en-US" dirty="0"/>
+          </a:p>
+        </p:txBody>
+      </p:sp>
+      <p:sp>
+        <p:nvSpPr>
+          <p:cNvPr id="3" name="Content Placeholder 2"/>
+          <p:cNvSpPr>
+            <a:spLocks noGrp="1"/>
+          </p:cNvSpPr>
+          <p:nvPr>
+            <p:ph idx="1"/>
+          </p:nvPr>
+        </p:nvSpPr>
+        <p:spPr/>
+        <p:txBody>
+          <a:bodyPr/>
+          <a:lstStyle/>
+          <a:p>
+            <a:r>
+              <a:rPr lang="en-US" dirty="0" smtClean="0"/>
+              <a:t>5 lab days: ~30min background, 2.5h lab</a:t>
+            </a:r>
+          </a:p>
+          <a:p>
+            <a:r>
+              <a:rPr lang="en-US" dirty="0" smtClean="0"/>
+              <a:t>1 presentation madness day</a:t>
+            </a:r>
+          </a:p>
+          <a:p>
+            <a:r>
+              <a:rPr lang="en-US" dirty="0" smtClean="0"/>
+              <a:t>No grades</a:t>
+            </a:r>
+          </a:p>
+          <a:p>
+            <a:r>
+              <a:rPr lang="en-US" dirty="0" smtClean="0"/>
+              <a:t>No homework, unless you don’t finish lab</a:t>
+            </a:r>
+          </a:p>
+        </p:txBody>
+      </p:sp>
+    </p:spTree>
+    <p:extLst>
+      <p:ext uri="{BB962C8B-B14F-4D97-AF65-F5344CB8AC3E}">
+        <p14:creationId xmlns:p14="http://schemas.microsoft.com/office/powerpoint/2010/main" val="2589989488"/>
+      </p:ext>
+    </p:extLst>
+  </p:cSld>
+  <p:clrMapOvr>
+    <a:masterClrMapping/>
+  </p:clrMapOvr>
+  <p:timing>
+    <p:tnLst>
+      <p:par>
+        <p:cTn xmlns:p14="http://schemas.microsoft.com/office/powerpoint/2010/main" id="1" dur="indefinite" restart="never" nodeType="tmRoot"/>
+      </p:par>
+    </p:tnLst>
+  </p:timing>
+</p:sld>
+</file>
+
+<file path=ppt/slides/slide20.xml><?xml version="1.0" encoding="utf-8"?>
 <p:sld xmlns:a="http://schemas.openxmlformats.org/drawingml/2006/main" xmlns:r="http://schemas.openxmlformats.org/officeDocument/2006/relationships" xmlns:p="http://schemas.openxmlformats.org/presentationml/2006/main">
   <p:cSld>
     <p:spTree>
@@ -4889,107 +5027,7 @@
 </p:sld>
 </file>
 
-<file path=ppt/slides/slide2.xml><?xml version="1.0" encoding="utf-8"?>
-<p:sld xmlns:a="http://schemas.openxmlformats.org/drawingml/2006/main" xmlns:r="http://schemas.openxmlformats.org/officeDocument/2006/relationships" xmlns:p="http://schemas.openxmlformats.org/presentationml/2006/main">
-  <p:cSld>
-    <p:spTree>
-      <p:nvGrpSpPr>
-        <p:cNvPr id="1" name=""/>
-        <p:cNvGrpSpPr/>
-        <p:nvPr/>
-      </p:nvGrpSpPr>
-      <p:grpSpPr>
-        <a:xfrm>
-          <a:off x="0" y="0"/>
-          <a:ext cx="0" cy="0"/>
-          <a:chOff x="0" y="0"/>
-          <a:chExt cx="0" cy="0"/>
-        </a:xfrm>
-      </p:grpSpPr>
-      <p:sp>
-        <p:nvSpPr>
-          <p:cNvPr id="2" name="Title 1"/>
-          <p:cNvSpPr>
-            <a:spLocks noGrp="1"/>
-          </p:cNvSpPr>
-          <p:nvPr>
-            <p:ph type="title"/>
-          </p:nvPr>
-        </p:nvSpPr>
-        <p:spPr/>
-        <p:txBody>
-          <a:bodyPr/>
-          <a:lstStyle/>
-          <a:p>
-            <a:r>
-              <a:rPr lang="en-US" dirty="0" smtClean="0"/>
-              <a:t>Course Basics</a:t>
-            </a:r>
-            <a:endParaRPr lang="en-US" dirty="0"/>
-          </a:p>
-        </p:txBody>
-      </p:sp>
-      <p:sp>
-        <p:nvSpPr>
-          <p:cNvPr id="3" name="Content Placeholder 2"/>
-          <p:cNvSpPr>
-            <a:spLocks noGrp="1"/>
-          </p:cNvSpPr>
-          <p:nvPr>
-            <p:ph idx="1"/>
-          </p:nvPr>
-        </p:nvSpPr>
-        <p:spPr/>
-        <p:txBody>
-          <a:bodyPr/>
-          <a:lstStyle/>
-          <a:p>
-            <a:r>
-              <a:rPr lang="en-US" dirty="0" smtClean="0"/>
-              <a:t>5 lab days: ~30min background, 2.5h lab</a:t>
-            </a:r>
-          </a:p>
-          <a:p>
-            <a:r>
-              <a:rPr lang="en-US" dirty="0" smtClean="0"/>
-              <a:t>1 presentation madness day</a:t>
-            </a:r>
-          </a:p>
-          <a:p>
-            <a:r>
-              <a:rPr lang="en-US" dirty="0" smtClean="0"/>
-              <a:t>No grades</a:t>
-            </a:r>
-          </a:p>
-          <a:p>
-            <a:r>
-              <a:rPr lang="en-US" dirty="0" smtClean="0"/>
-              <a:t>No homework, unless you don’t finish lab</a:t>
-            </a:r>
-          </a:p>
-        </p:txBody>
-      </p:sp>
-    </p:spTree>
-    <p:extLst>
-      <p:ext uri="{BB962C8B-B14F-4D97-AF65-F5344CB8AC3E}">
-        <p14:creationId xmlns:p14="http://schemas.microsoft.com/office/powerpoint/2010/main" val="2589989488"/>
-      </p:ext>
-    </p:extLst>
-  </p:cSld>
-  <p:clrMapOvr>
-    <a:masterClrMapping/>
-  </p:clrMapOvr>
-  <p:timing>
-    <p:tnLst>
-      <p:par>
-        <p:cTn xmlns:p14="http://schemas.microsoft.com/office/powerpoint/2010/main" id="1" dur="indefinite" restart="never" nodeType="tmRoot"/>
-      </p:par>
-    </p:tnLst>
-  </p:timing>
-</p:sld>
-</file>
-
-<file path=ppt/slides/slide20.xml><?xml version="1.0" encoding="utf-8"?>
+<file path=ppt/slides/slide21.xml><?xml version="1.0" encoding="utf-8"?>
 <p:sld xmlns:a="http://schemas.openxmlformats.org/drawingml/2006/main" xmlns:r="http://schemas.openxmlformats.org/officeDocument/2006/relationships" xmlns:p="http://schemas.openxmlformats.org/presentationml/2006/main">
   <p:cSld>
     <p:spTree>
@@ -5685,11 +5723,7 @@
             <a:pPr algn="ctr"/>
             <a:r>
               <a:rPr lang="en-US" sz="4000" dirty="0" smtClean="0"/>
-              <a:t>Why </a:t>
-            </a:r>
-            <a:r>
-              <a:rPr lang="en-US" sz="4000" dirty="0" smtClean="0"/>
-              <a:t>is this important?</a:t>
+              <a:t>Why is this important?</a:t>
             </a:r>
             <a:endParaRPr lang="en-US" sz="4000" dirty="0"/>
           </a:p>
